--- a/Bayesian COVID Hospitalizations_placeholder.pptx
+++ b/Bayesian COVID Hospitalizations_placeholder.pptx
@@ -353,7 +353,7 @@
       </a:p>
     </p188:txBody>
   </p188:cm>
-  <p188:cm id="{9A6C33BC-DC04-264A-83AE-4BB8FEF879DF}" authorId="{74906A6B-110F-D067-7BFC-521FF3E147DB}" created="2024-12-03T17:26:05.276">
+  <p188:cm id="{9A6C33BC-DC04-264A-83AE-4BB8FEF879DF}" authorId="{74906A6B-110F-D067-7BFC-521FF3E147DB}" status="resolved" created="2024-12-03T17:26:05.276" complete="100000">
     <ac:deMkLst xmlns:ac="http://schemas.microsoft.com/office/drawing/2013/main/command">
       <pc:docMk xmlns:pc="http://schemas.microsoft.com/office/powerpoint/2013/main/command"/>
       <pc:sldMk xmlns:pc="http://schemas.microsoft.com/office/powerpoint/2013/main/command" cId="0" sldId="256"/>
@@ -370,7 +370,7 @@
       </a:p>
     </p188:txBody>
   </p188:cm>
-  <p188:cm id="{1FC455E3-19E6-154B-B4CF-03796D75CFC2}" authorId="{74906A6B-110F-D067-7BFC-521FF3E147DB}" created="2024-12-03T17:27:06.939">
+  <p188:cm id="{1FC455E3-19E6-154B-B4CF-03796D75CFC2}" authorId="{74906A6B-110F-D067-7BFC-521FF3E147DB}" status="resolved" created="2024-12-03T17:27:06.939" complete="100000">
     <ac:txMkLst xmlns:ac="http://schemas.microsoft.com/office/drawing/2013/main/command">
       <pc:docMk xmlns:pc="http://schemas.microsoft.com/office/powerpoint/2013/main/command"/>
       <pc:sldMk xmlns:pc="http://schemas.microsoft.com/office/powerpoint/2013/main/command" cId="0" sldId="256"/>
@@ -405,7 +405,7 @@
       </a:p>
     </p188:txBody>
   </p188:cm>
-  <p188:cm id="{08536C51-C43D-F544-9EEB-89A4B0C0D11D}" authorId="{74906A6B-110F-D067-7BFC-521FF3E147DB}" created="2024-12-03T17:30:02.171">
+  <p188:cm id="{08536C51-C43D-F544-9EEB-89A4B0C0D11D}" authorId="{74906A6B-110F-D067-7BFC-521FF3E147DB}" status="resolved" created="2024-12-03T17:30:02.171" complete="100000">
     <ac:deMkLst xmlns:ac="http://schemas.microsoft.com/office/drawing/2013/main/command">
       <pc:docMk xmlns:pc="http://schemas.microsoft.com/office/powerpoint/2013/main/command"/>
       <pc:sldMk xmlns:pc="http://schemas.microsoft.com/office/powerpoint/2013/main/command" cId="0" sldId="256"/>
@@ -422,7 +422,7 @@
       </a:p>
     </p188:txBody>
   </p188:cm>
-  <p188:cm id="{FE90AB4D-2C6A-DE4A-969E-7D2AD980EEA9}" authorId="{74906A6B-110F-D067-7BFC-521FF3E147DB}" created="2024-12-03T17:32:27.055">
+  <p188:cm id="{FE90AB4D-2C6A-DE4A-969E-7D2AD980EEA9}" authorId="{74906A6B-110F-D067-7BFC-521FF3E147DB}" status="resolved" created="2024-12-03T17:32:27.055" complete="100000">
     <ac:deMkLst xmlns:ac="http://schemas.microsoft.com/office/drawing/2013/main/command">
       <pc:docMk xmlns:pc="http://schemas.microsoft.com/office/powerpoint/2013/main/command"/>
       <pc:sldMk xmlns:pc="http://schemas.microsoft.com/office/powerpoint/2013/main/command" cId="0" sldId="256"/>
@@ -4457,7 +4457,7 @@
         </p:blipFill>
         <p:spPr>
           <a:xfrm>
-            <a:off x="-54552" y="348752"/>
+            <a:off x="-3827656" y="-1058032"/>
             <a:ext cx="51206400" cy="10610234"/>
           </a:xfrm>
           <a:prstGeom prst="rect">
@@ -5512,7 +5512,7 @@
         </p:nvSpPr>
         <p:spPr>
           <a:xfrm>
-            <a:off x="34333523" y="18183394"/>
+            <a:off x="34152768" y="16629306"/>
             <a:ext cx="14838218" cy="2442335"/>
           </a:xfrm>
           <a:prstGeom prst="rect">
@@ -5727,7 +5727,7 @@
         </p:nvSpPr>
         <p:spPr>
           <a:xfrm>
-            <a:off x="35369132" y="32304667"/>
+            <a:off x="35546659" y="32230603"/>
             <a:ext cx="12928911" cy="528816"/>
           </a:xfrm>
           <a:prstGeom prst="rect">
@@ -5940,7 +5940,7 @@
         </p:nvSpPr>
         <p:spPr>
           <a:xfrm flipH="1">
-            <a:off x="5995164" y="36272492"/>
+            <a:off x="5995837" y="37157878"/>
             <a:ext cx="39676710" cy="1107996"/>
           </a:xfrm>
           <a:prstGeom prst="rect">
@@ -6456,7 +6456,7 @@
         </p:nvSpPr>
         <p:spPr>
           <a:xfrm>
-            <a:off x="35546659" y="25005727"/>
+            <a:off x="35546659" y="23332039"/>
             <a:ext cx="12928911" cy="528816"/>
           </a:xfrm>
           <a:prstGeom prst="rect">
@@ -6512,8 +6512,8 @@
         </p:nvSpPr>
         <p:spPr>
           <a:xfrm>
-            <a:off x="34592004" y="26029009"/>
-            <a:ext cx="14838218" cy="1032334"/>
+            <a:off x="33189017" y="24227477"/>
+            <a:ext cx="8644569" cy="1032334"/>
           </a:xfrm>
           <a:prstGeom prst="rect">
             <a:avLst/>
@@ -6525,16 +6525,13 @@
           </a:bodyPr>
           <a:lstStyle/>
           <a:p>
-            <a:pPr marL="933406" indent="-451550">
-              <a:buFont typeface="Arial" pitchFamily="34" charset="0"/>
-              <a:buChar char="•"/>
-            </a:pPr>
-            <a:r>
-              <a:rPr lang="en-US" sz="3054" b="1" dirty="0">
+            <a:pPr marL="481856"/>
+            <a:r>
+              <a:rPr lang="en-US" sz="3054" b="1" u="sng" dirty="0">
                 <a:latin typeface="+mj-lt"/>
                 <a:cs typeface="Times New Roman" panose="02020603050405020304" pitchFamily="18" charset="0"/>
               </a:rPr>
-              <a:t>Map of Predicted hospitalization probabilities</a:t>
+              <a:t>Map of Predicted Hospitalization Probabilities</a:t>
             </a:r>
           </a:p>
           <a:p>
@@ -7177,8 +7174,8 @@
         </p:nvSpPr>
         <p:spPr>
           <a:xfrm>
-            <a:off x="19157764" y="27996400"/>
-            <a:ext cx="3223071" cy="561692"/>
+            <a:off x="18932260" y="28007897"/>
+            <a:ext cx="3223071" cy="584775"/>
           </a:xfrm>
           <a:prstGeom prst="rect">
             <a:avLst/>
@@ -7192,7 +7189,7 @@
           <a:lstStyle/>
           <a:p>
             <a:r>
-              <a:rPr lang="en-US" sz="3050" dirty="0"/>
+              <a:rPr lang="en-US" sz="3200" u="sng" dirty="0"/>
               <a:t>Model Summary</a:t>
             </a:r>
           </a:p>
@@ -7271,8 +7268,8 @@
         </p:blipFill>
         <p:spPr>
           <a:xfrm>
-            <a:off x="34746608" y="9221743"/>
-            <a:ext cx="11717671" cy="4186576"/>
+            <a:off x="35546659" y="9169358"/>
+            <a:ext cx="10925939" cy="3903700"/>
           </a:xfrm>
           <a:prstGeom prst="rect">
             <a:avLst/>
@@ -7301,68 +7298,8 @@
         </p:blipFill>
         <p:spPr>
           <a:xfrm>
-            <a:off x="34746608" y="14167926"/>
-            <a:ext cx="12274923" cy="3973101"/>
-          </a:xfrm>
-          <a:prstGeom prst="rect">
-            <a:avLst/>
-          </a:prstGeom>
-        </p:spPr>
-      </p:pic>
-      <p:pic>
-        <p:nvPicPr>
-          <p:cNvPr id="32" name="Picture 31" descr="A map of the united states&#10;&#10;Description automatically generated">
-            <a:extLst>
-              <a:ext uri="{FF2B5EF4-FFF2-40B4-BE49-F238E27FC236}">
-                <a16:creationId xmlns:a16="http://schemas.microsoft.com/office/drawing/2014/main" id="{C715AAD6-0D02-3C73-A4E1-3480F5915B5D}"/>
-              </a:ext>
-            </a:extLst>
-          </p:cNvPr>
-          <p:cNvPicPr>
-            <a:picLocks noChangeAspect="1"/>
-          </p:cNvPicPr>
-          <p:nvPr/>
-        </p:nvPicPr>
-        <p:blipFill>
-          <a:blip r:embed="rId17"/>
-          <a:stretch>
-            <a:fillRect/>
-          </a:stretch>
-        </p:blipFill>
-        <p:spPr>
-          <a:xfrm>
-            <a:off x="33822475" y="26691862"/>
-            <a:ext cx="10647966" cy="4743888"/>
-          </a:xfrm>
-          <a:prstGeom prst="rect">
-            <a:avLst/>
-          </a:prstGeom>
-        </p:spPr>
-      </p:pic>
-      <p:pic>
-        <p:nvPicPr>
-          <p:cNvPr id="41" name="Picture 40" descr="A screenshot of a computer&#10;&#10;Description automatically generated">
-            <a:extLst>
-              <a:ext uri="{FF2B5EF4-FFF2-40B4-BE49-F238E27FC236}">
-                <a16:creationId xmlns:a16="http://schemas.microsoft.com/office/drawing/2014/main" id="{3D020BE2-4474-80CB-9892-AAD18C3C67C1}"/>
-              </a:ext>
-            </a:extLst>
-          </p:cNvPr>
-          <p:cNvPicPr>
-            <a:picLocks noChangeAspect="1"/>
-          </p:cNvPicPr>
-          <p:nvPr/>
-        </p:nvPicPr>
-        <p:blipFill>
-          <a:blip r:embed="rId18"/>
-          <a:stretch>
-            <a:fillRect/>
-          </a:stretch>
-        </p:blipFill>
-        <p:spPr>
-          <a:xfrm>
-            <a:off x="44470441" y="26212540"/>
-            <a:ext cx="6418800" cy="4084691"/>
+            <a:off x="35546659" y="13086773"/>
+            <a:ext cx="10925939" cy="3536467"/>
           </a:xfrm>
           <a:prstGeom prst="rect">
             <a:avLst/>
@@ -7384,7 +7321,7 @@
           <p:nvPr/>
         </p:nvPicPr>
         <p:blipFill>
-          <a:blip r:embed="rId19"/>
+          <a:blip r:embed="rId17"/>
           <a:stretch>
             <a:fillRect/>
           </a:stretch>
@@ -7414,14 +7351,14 @@
           <p:nvPr/>
         </p:nvPicPr>
         <p:blipFill>
-          <a:blip r:embed="rId20"/>
+          <a:blip r:embed="rId18"/>
           <a:stretch>
             <a:fillRect/>
           </a:stretch>
         </p:blipFill>
         <p:spPr>
           <a:xfrm>
-            <a:off x="42215098" y="21233524"/>
+            <a:off x="42170214" y="19628303"/>
             <a:ext cx="5879370" cy="3628411"/>
           </a:xfrm>
           <a:prstGeom prst="rect">
@@ -7444,14 +7381,14 @@
           <p:nvPr/>
         </p:nvPicPr>
         <p:blipFill>
-          <a:blip r:embed="rId21"/>
+          <a:blip r:embed="rId19"/>
           <a:stretch>
             <a:fillRect/>
           </a:stretch>
         </p:blipFill>
         <p:spPr>
           <a:xfrm>
-            <a:off x="35343654" y="21152595"/>
+            <a:off x="35298770" y="19547374"/>
             <a:ext cx="5879370" cy="3628411"/>
           </a:xfrm>
           <a:prstGeom prst="rect">
@@ -7473,7 +7410,7 @@
         </p:nvSpPr>
         <p:spPr>
           <a:xfrm>
-            <a:off x="36149280" y="20625729"/>
+            <a:off x="36104396" y="19020508"/>
             <a:ext cx="11945188" cy="553998"/>
           </a:xfrm>
           <a:prstGeom prst="rect">
@@ -7517,7 +7454,7 @@
           <p:nvPr/>
         </p:nvPicPr>
         <p:blipFill>
-          <a:blip r:embed="rId22"/>
+          <a:blip r:embed="rId20"/>
           <a:stretch>
             <a:fillRect/>
           </a:stretch>
@@ -7547,7 +7484,7 @@
           <p:nvPr/>
         </p:nvPicPr>
         <p:blipFill>
-          <a:blip r:embed="rId23"/>
+          <a:blip r:embed="rId21"/>
           <a:stretch>
             <a:fillRect/>
           </a:stretch>
@@ -7577,7 +7514,7 @@
           <p:nvPr/>
         </p:nvPicPr>
         <p:blipFill>
-          <a:blip r:embed="rId24"/>
+          <a:blip r:embed="rId22"/>
           <a:stretch>
             <a:fillRect/>
           </a:stretch>
@@ -7607,7 +7544,7 @@
           <p:nvPr/>
         </p:nvPicPr>
         <p:blipFill>
-          <a:blip r:embed="rId25"/>
+          <a:blip r:embed="rId23"/>
           <a:stretch>
             <a:fillRect/>
           </a:stretch>
@@ -7637,7 +7574,7 @@
           <p:nvPr/>
         </p:nvPicPr>
         <p:blipFill>
-          <a:blip r:embed="rId26"/>
+          <a:blip r:embed="rId24"/>
           <a:stretch>
             <a:fillRect/>
           </a:stretch>
@@ -7667,6 +7604,136 @@
           <p:nvPr/>
         </p:nvPicPr>
         <p:blipFill>
+          <a:blip r:embed="rId25"/>
+          <a:stretch>
+            <a:fillRect/>
+          </a:stretch>
+        </p:blipFill>
+        <p:spPr>
+          <a:xfrm>
+            <a:off x="19170099" y="30246921"/>
+            <a:ext cx="12031227" cy="6792692"/>
+          </a:xfrm>
+          <a:prstGeom prst="rect">
+            <a:avLst/>
+          </a:prstGeom>
+        </p:spPr>
+      </p:pic>
+      <p:sp>
+        <p:nvSpPr>
+          <p:cNvPr id="17" name="TextBox 16">
+            <a:extLst>
+              <a:ext uri="{FF2B5EF4-FFF2-40B4-BE49-F238E27FC236}">
+                <a16:creationId xmlns:a16="http://schemas.microsoft.com/office/drawing/2014/main" id="{5F7FF85E-5070-6391-1124-F1F8DF15A427}"/>
+              </a:ext>
+            </a:extLst>
+          </p:cNvPr>
+          <p:cNvSpPr txBox="1"/>
+          <p:nvPr/>
+        </p:nvSpPr>
+        <p:spPr>
+          <a:xfrm>
+            <a:off x="34784942" y="30650674"/>
+            <a:ext cx="7188235" cy="553998"/>
+          </a:xfrm>
+          <a:prstGeom prst="rect">
+            <a:avLst/>
+          </a:prstGeom>
+          <a:noFill/>
+        </p:spPr>
+        <p:txBody>
+          <a:bodyPr wrap="square" rtlCol="0">
+            <a:spAutoFit/>
+          </a:bodyPr>
+          <a:lstStyle/>
+          <a:p>
+            <a:r>
+              <a:rPr lang="en-US" sz="3000" dirty="0"/>
+              <a:t>Predicted hospitalization probabilities:</a:t>
+            </a:r>
+          </a:p>
+        </p:txBody>
+      </p:sp>
+      <p:sp>
+        <p:nvSpPr>
+          <p:cNvPr id="45" name="TextBox 44">
+            <a:extLst>
+              <a:ext uri="{FF2B5EF4-FFF2-40B4-BE49-F238E27FC236}">
+                <a16:creationId xmlns:a16="http://schemas.microsoft.com/office/drawing/2014/main" id="{DD9C4F14-3769-7A25-0986-47FC184E325E}"/>
+              </a:ext>
+            </a:extLst>
+          </p:cNvPr>
+          <p:cNvSpPr txBox="1"/>
+          <p:nvPr/>
+        </p:nvSpPr>
+        <p:spPr>
+          <a:xfrm>
+            <a:off x="18933131" y="29716608"/>
+            <a:ext cx="4541510" cy="584775"/>
+          </a:xfrm>
+          <a:prstGeom prst="rect">
+            <a:avLst/>
+          </a:prstGeom>
+          <a:noFill/>
+        </p:spPr>
+        <p:txBody>
+          <a:bodyPr wrap="square" rtlCol="0">
+            <a:spAutoFit/>
+          </a:bodyPr>
+          <a:lstStyle/>
+          <a:p>
+            <a:r>
+              <a:rPr lang="en-US" sz="3200" u="sng" dirty="0"/>
+              <a:t>CI’s of Model Parameters</a:t>
+            </a:r>
+          </a:p>
+        </p:txBody>
+      </p:sp>
+      <p:pic>
+        <p:nvPicPr>
+          <p:cNvPr id="55" name="Picture 54" descr="A graph of a number of people&#10;&#10;Description automatically generated with medium confidence">
+            <a:extLst>
+              <a:ext uri="{FF2B5EF4-FFF2-40B4-BE49-F238E27FC236}">
+                <a16:creationId xmlns:a16="http://schemas.microsoft.com/office/drawing/2014/main" id="{83013828-1FF3-A41B-7C30-C910A695131D}"/>
+              </a:ext>
+            </a:extLst>
+          </p:cNvPr>
+          <p:cNvPicPr>
+            <a:picLocks noChangeAspect="1"/>
+          </p:cNvPicPr>
+          <p:nvPr/>
+        </p:nvPicPr>
+        <p:blipFill>
+          <a:blip r:embed="rId26"/>
+          <a:stretch>
+            <a:fillRect/>
+          </a:stretch>
+        </p:blipFill>
+        <p:spPr>
+          <a:xfrm>
+            <a:off x="42421256" y="25045818"/>
+            <a:ext cx="8785144" cy="5067391"/>
+          </a:xfrm>
+          <a:prstGeom prst="rect">
+            <a:avLst/>
+          </a:prstGeom>
+        </p:spPr>
+      </p:pic>
+      <p:pic>
+        <p:nvPicPr>
+          <p:cNvPr id="62" name="Picture 61" descr="A map of the united states&#10;&#10;Description automatically generated">
+            <a:extLst>
+              <a:ext uri="{FF2B5EF4-FFF2-40B4-BE49-F238E27FC236}">
+                <a16:creationId xmlns:a16="http://schemas.microsoft.com/office/drawing/2014/main" id="{AAF2E048-49CC-8B2F-77DB-7D561B72EE3A}"/>
+              </a:ext>
+            </a:extLst>
+          </p:cNvPr>
+          <p:cNvPicPr>
+            <a:picLocks noChangeAspect="1"/>
+          </p:cNvPicPr>
+          <p:nvPr/>
+        </p:nvPicPr>
+        <p:blipFill>
           <a:blip r:embed="rId27"/>
           <a:stretch>
             <a:fillRect/>
@@ -7674,14 +7741,92 @@
         </p:blipFill>
         <p:spPr>
           <a:xfrm>
-            <a:off x="19157763" y="29710954"/>
-            <a:ext cx="12031227" cy="6792692"/>
+            <a:off x="33407330" y="25188446"/>
+            <a:ext cx="9013926" cy="4786482"/>
           </a:xfrm>
           <a:prstGeom prst="rect">
             <a:avLst/>
           </a:prstGeom>
         </p:spPr>
       </p:pic>
+      <p:pic>
+        <p:nvPicPr>
+          <p:cNvPr id="115" name="Picture 114" descr="A math problem with numbers and symbols&#10;&#10;Description automatically generated with medium confidence">
+            <a:extLst>
+              <a:ext uri="{FF2B5EF4-FFF2-40B4-BE49-F238E27FC236}">
+                <a16:creationId xmlns:a16="http://schemas.microsoft.com/office/drawing/2014/main" id="{E7E4E0FD-342F-556E-23AD-9AB61E876E97}"/>
+              </a:ext>
+            </a:extLst>
+          </p:cNvPr>
+          <p:cNvPicPr>
+            <a:picLocks noChangeAspect="1"/>
+          </p:cNvPicPr>
+          <p:nvPr/>
+        </p:nvPicPr>
+        <p:blipFill>
+          <a:blip r:embed="rId28"/>
+          <a:stretch>
+            <a:fillRect/>
+          </a:stretch>
+        </p:blipFill>
+        <p:spPr>
+          <a:xfrm>
+            <a:off x="40986065" y="30475263"/>
+            <a:ext cx="8439690" cy="1102482"/>
+          </a:xfrm>
+          <a:prstGeom prst="rect">
+            <a:avLst/>
+          </a:prstGeom>
+        </p:spPr>
+      </p:pic>
+      <p:sp>
+        <p:nvSpPr>
+          <p:cNvPr id="116" name="Rectangle 115">
+            <a:extLst>
+              <a:ext uri="{FF2B5EF4-FFF2-40B4-BE49-F238E27FC236}">
+                <a16:creationId xmlns:a16="http://schemas.microsoft.com/office/drawing/2014/main" id="{FF7F709C-7D1F-3411-4513-EBE0652F8DB6}"/>
+              </a:ext>
+            </a:extLst>
+          </p:cNvPr>
+          <p:cNvSpPr/>
+          <p:nvPr/>
+        </p:nvSpPr>
+        <p:spPr>
+          <a:xfrm>
+            <a:off x="42051899" y="24203222"/>
+            <a:ext cx="8644569" cy="1032334"/>
+          </a:xfrm>
+          <a:prstGeom prst="rect">
+            <a:avLst/>
+          </a:prstGeom>
+        </p:spPr>
+        <p:txBody>
+          <a:bodyPr wrap="square">
+            <a:spAutoFit/>
+          </a:bodyPr>
+          <a:lstStyle/>
+          <a:p>
+            <a:pPr marL="481856"/>
+            <a:r>
+              <a:rPr lang="en-US" sz="3054" b="1" u="sng" dirty="0">
+                <a:latin typeface="+mj-lt"/>
+                <a:cs typeface="Times New Roman" panose="02020603050405020304" pitchFamily="18" charset="0"/>
+              </a:rPr>
+              <a:t>95% Credible Intervals of Predicted Probabilities</a:t>
+            </a:r>
+          </a:p>
+          <a:p>
+            <a:pPr marL="933406" indent="-451550">
+              <a:buFont typeface="Arial" pitchFamily="34" charset="0"/>
+              <a:buChar char="•"/>
+            </a:pPr>
+            <a:endParaRPr lang="en-US" sz="3054" b="1" dirty="0">
+              <a:latin typeface="+mj-lt"/>
+              <a:cs typeface="Times New Roman" panose="02020603050405020304" pitchFamily="18" charset="0"/>
+            </a:endParaRPr>
+          </a:p>
+        </p:txBody>
+      </p:sp>
     </p:spTree>
   </p:cSld>
   <p:clrMapOvr>
@@ -8307,23 +8452,6 @@
 </file>
 
 <file path=customXml/item1.xml><?xml version="1.0" encoding="utf-8"?>
-<?mso-contentType ?>
-<FormTemplates xmlns="http://schemas.microsoft.com/sharepoint/v3/contenttype/forms">
-  <Display>DocumentLibraryForm</Display>
-  <Edit>DocumentLibraryForm</Edit>
-  <New>DocumentLibraryForm</New>
-</FormTemplates>
-</file>
-
-<file path=customXml/item2.xml><?xml version="1.0" encoding="utf-8"?>
-<p:properties xmlns:p="http://schemas.microsoft.com/office/2006/metadata/properties" xmlns:xsi="http://www.w3.org/2001/XMLSchema-instance" xmlns:pc="http://schemas.microsoft.com/office/infopath/2007/PartnerControls">
-  <documentManagement>
-    <_activity xmlns="4f41ae97-5a6c-4458-bb1f-235b5f3b5d68" xsi:nil="true"/>
-  </documentManagement>
-</p:properties>
-</file>
-
-<file path=customXml/item3.xml><?xml version="1.0" encoding="utf-8"?>
 <ct:contentTypeSchema xmlns:ct="http://schemas.microsoft.com/office/2006/metadata/contentType" xmlns:ma="http://schemas.microsoft.com/office/2006/metadata/properties/metaAttributes" ct:_="" ma:_="" ma:contentTypeName="Document" ma:contentTypeID="0x0101009751B041C886E142A4CB6BC50AABCCA6" ma:contentTypeVersion="13" ma:contentTypeDescription="Create a new document." ma:contentTypeScope="" ma:versionID="ae8447eb39958e733236cd72149919b1">
   <xsd:schema xmlns:xsd="http://www.w3.org/2001/XMLSchema" xmlns:xs="http://www.w3.org/2001/XMLSchema" xmlns:p="http://schemas.microsoft.com/office/2006/metadata/properties" xmlns:ns3="4f41ae97-5a6c-4458-bb1f-235b5f3b5d68" xmlns:ns4="8802567b-aa87-48e0-ac05-b6cac22ca2ed" targetNamespace="http://schemas.microsoft.com/office/2006/metadata/properties" ma:root="true" ma:fieldsID="aac98df62b6e875c010c3475f39038b6" ns3:_="" ns4:_="">
     <xsd:import namespace="4f41ae97-5a6c-4458-bb1f-235b5f3b5d68"/>
@@ -8544,10 +8672,38 @@
 </ct:contentTypeSchema>
 </file>
 
+<file path=customXml/item2.xml><?xml version="1.0" encoding="utf-8"?>
+<p:properties xmlns:p="http://schemas.microsoft.com/office/2006/metadata/properties" xmlns:xsi="http://www.w3.org/2001/XMLSchema-instance" xmlns:pc="http://schemas.microsoft.com/office/infopath/2007/PartnerControls">
+  <documentManagement>
+    <_activity xmlns="4f41ae97-5a6c-4458-bb1f-235b5f3b5d68" xsi:nil="true"/>
+  </documentManagement>
+</p:properties>
+</file>
+
+<file path=customXml/item3.xml><?xml version="1.0" encoding="utf-8"?>
+<?mso-contentType ?>
+<FormTemplates xmlns="http://schemas.microsoft.com/sharepoint/v3/contenttype/forms">
+  <Display>DocumentLibraryForm</Display>
+  <Edit>DocumentLibraryForm</Edit>
+  <New>DocumentLibraryForm</New>
+</FormTemplates>
+</file>
+
 <file path=customXml/itemProps1.xml><?xml version="1.0" encoding="utf-8"?>
-<ds:datastoreItem xmlns:ds="http://schemas.openxmlformats.org/officeDocument/2006/customXml" ds:itemID="{6D1ED908-36CA-47DE-9D02-6709ABA06A3B}">
+<ds:datastoreItem xmlns:ds="http://schemas.openxmlformats.org/officeDocument/2006/customXml" ds:itemID="{8774136C-BD9E-4C16-A065-F64F959C2ED0}">
   <ds:schemaRefs>
-    <ds:schemaRef ds:uri="http://schemas.microsoft.com/sharepoint/v3/contenttype/forms"/>
+    <ds:schemaRef ds:uri="http://schemas.microsoft.com/office/2006/metadata/contentType"/>
+    <ds:schemaRef ds:uri="http://schemas.microsoft.com/office/2006/metadata/properties/metaAttributes"/>
+    <ds:schemaRef ds:uri="http://www.w3.org/2001/XMLSchema"/>
+    <ds:schemaRef ds:uri="http://schemas.microsoft.com/office/2006/metadata/properties"/>
+    <ds:schemaRef ds:uri="4f41ae97-5a6c-4458-bb1f-235b5f3b5d68"/>
+    <ds:schemaRef ds:uri="8802567b-aa87-48e0-ac05-b6cac22ca2ed"/>
+    <ds:schemaRef ds:uri="http://schemas.microsoft.com/office/2006/documentManagement/types"/>
+    <ds:schemaRef ds:uri="http://schemas.microsoft.com/office/infopath/2007/PartnerControls"/>
+    <ds:schemaRef ds:uri="http://schemas.openxmlformats.org/package/2006/metadata/core-properties"/>
+    <ds:schemaRef ds:uri="http://purl.org/dc/elements/1.1/"/>
+    <ds:schemaRef ds:uri="http://purl.org/dc/terms/"/>
+    <ds:schemaRef ds:uri="http://schemas.microsoft.com/internal/obd"/>
   </ds:schemaRefs>
 </ds:datastoreItem>
 </file>
@@ -8570,20 +8726,9 @@
 </file>
 
 <file path=customXml/itemProps3.xml><?xml version="1.0" encoding="utf-8"?>
-<ds:datastoreItem xmlns:ds="http://schemas.openxmlformats.org/officeDocument/2006/customXml" ds:itemID="{8774136C-BD9E-4C16-A065-F64F959C2ED0}">
+<ds:datastoreItem xmlns:ds="http://schemas.openxmlformats.org/officeDocument/2006/customXml" ds:itemID="{6D1ED908-36CA-47DE-9D02-6709ABA06A3B}">
   <ds:schemaRefs>
-    <ds:schemaRef ds:uri="http://schemas.microsoft.com/office/2006/metadata/contentType"/>
-    <ds:schemaRef ds:uri="http://schemas.microsoft.com/office/2006/metadata/properties/metaAttributes"/>
-    <ds:schemaRef ds:uri="http://www.w3.org/2001/XMLSchema"/>
-    <ds:schemaRef ds:uri="http://schemas.microsoft.com/office/2006/metadata/properties"/>
-    <ds:schemaRef ds:uri="4f41ae97-5a6c-4458-bb1f-235b5f3b5d68"/>
-    <ds:schemaRef ds:uri="8802567b-aa87-48e0-ac05-b6cac22ca2ed"/>
-    <ds:schemaRef ds:uri="http://schemas.microsoft.com/office/2006/documentManagement/types"/>
-    <ds:schemaRef ds:uri="http://schemas.microsoft.com/office/infopath/2007/PartnerControls"/>
-    <ds:schemaRef ds:uri="http://schemas.openxmlformats.org/package/2006/metadata/core-properties"/>
-    <ds:schemaRef ds:uri="http://purl.org/dc/elements/1.1/"/>
-    <ds:schemaRef ds:uri="http://purl.org/dc/terms/"/>
-    <ds:schemaRef ds:uri="http://schemas.microsoft.com/internal/obd"/>
+    <ds:schemaRef ds:uri="http://schemas.microsoft.com/sharepoint/v3/contenttype/forms"/>
   </ds:schemaRefs>
 </ds:datastoreItem>
 </file>